--- a/_slides/Rasters_problems.pptx
+++ b/_slides/Rasters_problems.pptx
@@ -13,6 +13,7 @@
     <p:sldId id="262" r:id="rId7"/>
     <p:sldId id="261" r:id="rId8"/>
     <p:sldId id="263" r:id="rId9"/>
+    <p:sldId id="264" r:id="rId10"/>
   </p:sldIdLst>
   <p:sldSz cx="12192000" cy="6858000"/>
   <p:notesSz cx="6858000" cy="9144000"/>
@@ -250,7 +251,7 @@
           <a:p>
             <a:fld id="{E2658D60-B7C2-4B63-BF89-DA380AA4AAAB}" type="datetimeFigureOut">
               <a:rPr lang="es-CO" smtClean="0"/>
-              <a:t>06/07/2016</a:t>
+              <a:t>07/07/2016</a:t>
             </a:fld>
             <a:endParaRPr lang="es-CO"/>
           </a:p>
@@ -420,7 +421,7 @@
           <a:p>
             <a:fld id="{E2658D60-B7C2-4B63-BF89-DA380AA4AAAB}" type="datetimeFigureOut">
               <a:rPr lang="es-CO" smtClean="0"/>
-              <a:t>06/07/2016</a:t>
+              <a:t>07/07/2016</a:t>
             </a:fld>
             <a:endParaRPr lang="es-CO"/>
           </a:p>
@@ -600,7 +601,7 @@
           <a:p>
             <a:fld id="{E2658D60-B7C2-4B63-BF89-DA380AA4AAAB}" type="datetimeFigureOut">
               <a:rPr lang="es-CO" smtClean="0"/>
-              <a:t>06/07/2016</a:t>
+              <a:t>07/07/2016</a:t>
             </a:fld>
             <a:endParaRPr lang="es-CO"/>
           </a:p>
@@ -770,7 +771,7 @@
           <a:p>
             <a:fld id="{E2658D60-B7C2-4B63-BF89-DA380AA4AAAB}" type="datetimeFigureOut">
               <a:rPr lang="es-CO" smtClean="0"/>
-              <a:t>06/07/2016</a:t>
+              <a:t>07/07/2016</a:t>
             </a:fld>
             <a:endParaRPr lang="es-CO"/>
           </a:p>
@@ -1016,7 +1017,7 @@
           <a:p>
             <a:fld id="{E2658D60-B7C2-4B63-BF89-DA380AA4AAAB}" type="datetimeFigureOut">
               <a:rPr lang="es-CO" smtClean="0"/>
-              <a:t>06/07/2016</a:t>
+              <a:t>07/07/2016</a:t>
             </a:fld>
             <a:endParaRPr lang="es-CO"/>
           </a:p>
@@ -1248,7 +1249,7 @@
           <a:p>
             <a:fld id="{E2658D60-B7C2-4B63-BF89-DA380AA4AAAB}" type="datetimeFigureOut">
               <a:rPr lang="es-CO" smtClean="0"/>
-              <a:t>06/07/2016</a:t>
+              <a:t>07/07/2016</a:t>
             </a:fld>
             <a:endParaRPr lang="es-CO"/>
           </a:p>
@@ -1615,7 +1616,7 @@
           <a:p>
             <a:fld id="{E2658D60-B7C2-4B63-BF89-DA380AA4AAAB}" type="datetimeFigureOut">
               <a:rPr lang="es-CO" smtClean="0"/>
-              <a:t>06/07/2016</a:t>
+              <a:t>07/07/2016</a:t>
             </a:fld>
             <a:endParaRPr lang="es-CO"/>
           </a:p>
@@ -1733,7 +1734,7 @@
           <a:p>
             <a:fld id="{E2658D60-B7C2-4B63-BF89-DA380AA4AAAB}" type="datetimeFigureOut">
               <a:rPr lang="es-CO" smtClean="0"/>
-              <a:t>06/07/2016</a:t>
+              <a:t>07/07/2016</a:t>
             </a:fld>
             <a:endParaRPr lang="es-CO"/>
           </a:p>
@@ -1828,7 +1829,7 @@
           <a:p>
             <a:fld id="{E2658D60-B7C2-4B63-BF89-DA380AA4AAAB}" type="datetimeFigureOut">
               <a:rPr lang="es-CO" smtClean="0"/>
-              <a:t>06/07/2016</a:t>
+              <a:t>07/07/2016</a:t>
             </a:fld>
             <a:endParaRPr lang="es-CO"/>
           </a:p>
@@ -2105,7 +2106,7 @@
           <a:p>
             <a:fld id="{E2658D60-B7C2-4B63-BF89-DA380AA4AAAB}" type="datetimeFigureOut">
               <a:rPr lang="es-CO" smtClean="0"/>
-              <a:t>06/07/2016</a:t>
+              <a:t>07/07/2016</a:t>
             </a:fld>
             <a:endParaRPr lang="es-CO"/>
           </a:p>
@@ -2358,7 +2359,7 @@
           <a:p>
             <a:fld id="{E2658D60-B7C2-4B63-BF89-DA380AA4AAAB}" type="datetimeFigureOut">
               <a:rPr lang="es-CO" smtClean="0"/>
-              <a:t>06/07/2016</a:t>
+              <a:t>07/07/2016</a:t>
             </a:fld>
             <a:endParaRPr lang="es-CO"/>
           </a:p>
@@ -2571,7 +2572,7 @@
           <a:p>
             <a:fld id="{E2658D60-B7C2-4B63-BF89-DA380AA4AAAB}" type="datetimeFigureOut">
               <a:rPr lang="es-CO" smtClean="0"/>
-              <a:t>06/07/2016</a:t>
+              <a:t>07/07/2016</a:t>
             </a:fld>
             <a:endParaRPr lang="es-CO"/>
           </a:p>
@@ -2993,11 +2994,7 @@
           <a:p>
             <a:r>
               <a:rPr lang="en-US" dirty="0" smtClean="0"/>
-              <a:t>Tana </a:t>
-            </a:r>
-            <a:r>
-              <a:rPr lang="en-US" dirty="0" smtClean="0"/>
-              <a:t>River, Taita Taveta and Makueni’s problems</a:t>
+              <a:t>Tana River, Taita Taveta and Makueni’s problems</a:t>
             </a:r>
             <a:endParaRPr lang="es-CO" dirty="0"/>
           </a:p>
@@ -3576,11 +3573,7 @@
           <a:p>
             <a:r>
               <a:rPr lang="en-US" dirty="0" smtClean="0"/>
-              <a:t>Taita Taveta raster has</a:t>
-            </a:r>
-            <a:r>
-              <a:rPr lang="en-US" dirty="0" smtClean="0"/>
-              <a:t>: 618 pixels</a:t>
+              <a:t>Taita Taveta raster has: 618 pixels</a:t>
             </a:r>
             <a:endParaRPr lang="en-US" dirty="0"/>
           </a:p>
@@ -3604,15 +3597,7 @@
                   <a:srgbClr val="FF0000"/>
                 </a:solidFill>
               </a:rPr>
-              <a:t>red </a:t>
-            </a:r>
-            <a:r>
-              <a:rPr lang="en-US" dirty="0" smtClean="0">
-                <a:solidFill>
-                  <a:srgbClr val="FF0000"/>
-                </a:solidFill>
-              </a:rPr>
-              <a:t>points (240 pixels with complete information) </a:t>
+              <a:t>red points (240 pixels with complete information) </a:t>
             </a:r>
             <a:r>
               <a:rPr lang="en-US" dirty="0" smtClean="0"/>
@@ -3622,26 +3607,13 @@
           <a:p>
             <a:r>
               <a:rPr lang="en-US" dirty="0" smtClean="0"/>
-              <a:t>second season report data (first season </a:t>
-            </a:r>
+              <a:t>second season report data (first season didn’t have problems)</a:t>
+            </a:r>
+          </a:p>
+          <a:p>
             <a:r>
               <a:rPr lang="en-US" dirty="0" smtClean="0"/>
-              <a:t>didn’t have problems</a:t>
-            </a:r>
-            <a:r>
-              <a:rPr lang="en-US" dirty="0" smtClean="0"/>
-              <a:t>)</a:t>
-            </a:r>
-            <a:endParaRPr lang="en-US" dirty="0" smtClean="0"/>
-          </a:p>
-          <a:p>
-            <a:r>
-              <a:rPr lang="en-US" dirty="0" smtClean="0"/>
-              <a:t>And this number varies through: period, </a:t>
-            </a:r>
-            <a:r>
-              <a:rPr lang="en-US" dirty="0" smtClean="0"/>
-              <a:t>RCP and GCM</a:t>
+              <a:t>And this number varies through: period, RCP and GCM</a:t>
             </a:r>
           </a:p>
           <a:p>
@@ -4331,15 +4303,7 @@
                   <a:srgbClr val="FF0000"/>
                 </a:solidFill>
               </a:rPr>
-              <a:t>red </a:t>
-            </a:r>
-            <a:r>
-              <a:rPr lang="en-US" dirty="0" smtClean="0">
-                <a:solidFill>
-                  <a:srgbClr val="FF0000"/>
-                </a:solidFill>
-              </a:rPr>
-              <a:t>points (11 pixels with complete information) </a:t>
+              <a:t>red points (11 pixels with complete information) </a:t>
             </a:r>
             <a:r>
               <a:rPr lang="en-US" dirty="0" smtClean="0"/>
@@ -4367,16 +4331,11 @@
               <a:rPr lang="en-US" dirty="0" smtClean="0"/>
               <a:t>)</a:t>
             </a:r>
-            <a:endParaRPr lang="en-US" dirty="0" smtClean="0"/>
           </a:p>
           <a:p>
             <a:r>
               <a:rPr lang="en-US" dirty="0" smtClean="0"/>
-              <a:t>And this number varies through: period, </a:t>
-            </a:r>
-            <a:r>
-              <a:rPr lang="en-US" dirty="0" smtClean="0"/>
-              <a:t>RCP and GCM</a:t>
+              <a:t>And this number varies through: period, RCP and GCM</a:t>
             </a:r>
           </a:p>
           <a:p>
@@ -4968,6 +4927,198 @@
 </p:sld>
 </file>
 
+<file path=ppt/slides/slide9.xml><?xml version="1.0" encoding="utf-8"?>
+<p:sld xmlns:a="http://schemas.openxmlformats.org/drawingml/2006/main" xmlns:r="http://schemas.openxmlformats.org/officeDocument/2006/relationships" xmlns:p="http://schemas.openxmlformats.org/presentationml/2006/main">
+  <p:cSld>
+    <p:spTree>
+      <p:nvGrpSpPr>
+        <p:cNvPr id="1" name=""/>
+        <p:cNvGrpSpPr/>
+        <p:nvPr/>
+      </p:nvGrpSpPr>
+      <p:grpSpPr>
+        <a:xfrm>
+          <a:off x="0" y="0"/>
+          <a:ext cx="0" cy="0"/>
+          <a:chOff x="0" y="0"/>
+          <a:chExt cx="0" cy="0"/>
+        </a:xfrm>
+      </p:grpSpPr>
+      <p:pic>
+        <p:nvPicPr>
+          <p:cNvPr id="2" name="Picture 1"/>
+          <p:cNvPicPr>
+            <a:picLocks noChangeAspect="1"/>
+          </p:cNvPicPr>
+          <p:nvPr/>
+        </p:nvPicPr>
+        <p:blipFill>
+          <a:blip r:embed="rId2"/>
+          <a:stretch>
+            <a:fillRect/>
+          </a:stretch>
+        </p:blipFill>
+        <p:spPr>
+          <a:xfrm>
+            <a:off x="247135" y="626076"/>
+            <a:ext cx="10972800" cy="1923068"/>
+          </a:xfrm>
+          <a:prstGeom prst="rect">
+            <a:avLst/>
+          </a:prstGeom>
+        </p:spPr>
+      </p:pic>
+      <p:pic>
+        <p:nvPicPr>
+          <p:cNvPr id="3" name="Picture 2"/>
+          <p:cNvPicPr>
+            <a:picLocks noChangeAspect="1"/>
+          </p:cNvPicPr>
+          <p:nvPr/>
+        </p:nvPicPr>
+        <p:blipFill>
+          <a:blip r:embed="rId3"/>
+          <a:stretch>
+            <a:fillRect/>
+          </a:stretch>
+        </p:blipFill>
+        <p:spPr>
+          <a:xfrm>
+            <a:off x="247135" y="2549144"/>
+            <a:ext cx="10972800" cy="1927976"/>
+          </a:xfrm>
+          <a:prstGeom prst="rect">
+            <a:avLst/>
+          </a:prstGeom>
+        </p:spPr>
+      </p:pic>
+      <p:pic>
+        <p:nvPicPr>
+          <p:cNvPr id="4" name="Picture 3"/>
+          <p:cNvPicPr>
+            <a:picLocks noChangeAspect="1"/>
+          </p:cNvPicPr>
+          <p:nvPr/>
+        </p:nvPicPr>
+        <p:blipFill>
+          <a:blip r:embed="rId4"/>
+          <a:stretch>
+            <a:fillRect/>
+          </a:stretch>
+        </p:blipFill>
+        <p:spPr>
+          <a:xfrm>
+            <a:off x="247135" y="4472212"/>
+            <a:ext cx="10972800" cy="1925887"/>
+          </a:xfrm>
+          <a:prstGeom prst="rect">
+            <a:avLst/>
+          </a:prstGeom>
+        </p:spPr>
+      </p:pic>
+      <p:sp>
+        <p:nvSpPr>
+          <p:cNvPr id="5" name="TextBox 4"/>
+          <p:cNvSpPr txBox="1"/>
+          <p:nvPr/>
+        </p:nvSpPr>
+        <p:spPr>
+          <a:xfrm>
+            <a:off x="11219935" y="1402944"/>
+            <a:ext cx="652743" cy="369332"/>
+          </a:xfrm>
+          <a:prstGeom prst="rect">
+            <a:avLst/>
+          </a:prstGeom>
+          <a:noFill/>
+        </p:spPr>
+        <p:txBody>
+          <a:bodyPr wrap="none" rtlCol="0">
+            <a:spAutoFit/>
+          </a:bodyPr>
+          <a:lstStyle/>
+          <a:p>
+            <a:r>
+              <a:rPr lang="en-US" dirty="0" smtClean="0"/>
+              <a:t>2022</a:t>
+            </a:r>
+            <a:endParaRPr lang="es-CO" dirty="0"/>
+          </a:p>
+        </p:txBody>
+      </p:sp>
+      <p:sp>
+        <p:nvSpPr>
+          <p:cNvPr id="6" name="TextBox 5"/>
+          <p:cNvSpPr txBox="1"/>
+          <p:nvPr/>
+        </p:nvSpPr>
+        <p:spPr>
+          <a:xfrm>
+            <a:off x="11219934" y="3324967"/>
+            <a:ext cx="652743" cy="369332"/>
+          </a:xfrm>
+          <a:prstGeom prst="rect">
+            <a:avLst/>
+          </a:prstGeom>
+          <a:noFill/>
+        </p:spPr>
+        <p:txBody>
+          <a:bodyPr wrap="none" rtlCol="0">
+            <a:spAutoFit/>
+          </a:bodyPr>
+          <a:lstStyle/>
+          <a:p>
+            <a:r>
+              <a:rPr lang="en-US" dirty="0" smtClean="0"/>
+              <a:t>2023</a:t>
+            </a:r>
+            <a:endParaRPr lang="es-CO" dirty="0"/>
+          </a:p>
+        </p:txBody>
+      </p:sp>
+      <p:sp>
+        <p:nvSpPr>
+          <p:cNvPr id="7" name="TextBox 6"/>
+          <p:cNvSpPr txBox="1"/>
+          <p:nvPr/>
+        </p:nvSpPr>
+        <p:spPr>
+          <a:xfrm>
+            <a:off x="11219933" y="5246990"/>
+            <a:ext cx="652743" cy="369332"/>
+          </a:xfrm>
+          <a:prstGeom prst="rect">
+            <a:avLst/>
+          </a:prstGeom>
+          <a:noFill/>
+        </p:spPr>
+        <p:txBody>
+          <a:bodyPr wrap="none" rtlCol="0">
+            <a:spAutoFit/>
+          </a:bodyPr>
+          <a:lstStyle/>
+          <a:p>
+            <a:r>
+              <a:rPr lang="en-US" dirty="0" smtClean="0"/>
+              <a:t>2024</a:t>
+            </a:r>
+            <a:endParaRPr lang="es-CO" dirty="0"/>
+          </a:p>
+        </p:txBody>
+      </p:sp>
+    </p:spTree>
+    <p:extLst>
+      <p:ext uri="{BB962C8B-B14F-4D97-AF65-F5344CB8AC3E}">
+        <p14:creationId xmlns:p14="http://schemas.microsoft.com/office/powerpoint/2010/main" val="3765382262"/>
+      </p:ext>
+    </p:extLst>
+  </p:cSld>
+  <p:clrMapOvr>
+    <a:masterClrMapping/>
+  </p:clrMapOvr>
+</p:sld>
+</file>
+
 <file path=ppt/theme/theme1.xml><?xml version="1.0" encoding="utf-8"?>
 <a:theme xmlns:a="http://schemas.openxmlformats.org/drawingml/2006/main" name="Office Theme">
   <a:themeElements>
